--- a/ToDo.Console/Lectures/Collections.pptx
+++ b/ToDo.Console/Lectures/Collections.pptx
@@ -23,6 +23,10 @@
     <p:sldId id="275" r:id="rId20"/>
     <p:sldId id="276" r:id="rId21"/>
     <p:sldId id="277" r:id="rId22"/>
+    <p:sldId id="278" r:id="rId23"/>
+    <p:sldId id="279" r:id="rId24"/>
+    <p:sldId id="280" r:id="rId25"/>
+    <p:sldId id="281" r:id="rId26"/>
   </p:sldIdLst>
   <p:sldSz cx="12192000" cy="6858000"/>
   <p:notesSz cx="6858000" cy="9144000"/>
@@ -355,7 +359,7 @@
           <a:p>
             <a:fld id="{A35E2E98-A03A-4DC7-9B11-0B5AC1B3BAD8}" type="datetimeFigureOut">
               <a:rPr lang="en-US" smtClean="0"/>
-              <a:t>04-Mar-24</a:t>
+              <a:t>06-Mar-24</a:t>
             </a:fld>
             <a:endParaRPr lang="en-US"/>
           </a:p>
@@ -563,7 +567,7 @@
           <a:p>
             <a:fld id="{A35E2E98-A03A-4DC7-9B11-0B5AC1B3BAD8}" type="datetimeFigureOut">
               <a:rPr lang="en-US" smtClean="0"/>
-              <a:t>04-Mar-24</a:t>
+              <a:t>06-Mar-24</a:t>
             </a:fld>
             <a:endParaRPr lang="en-US"/>
           </a:p>
@@ -819,7 +823,7 @@
           <a:p>
             <a:fld id="{A35E2E98-A03A-4DC7-9B11-0B5AC1B3BAD8}" type="datetimeFigureOut">
               <a:rPr lang="en-US" smtClean="0"/>
-              <a:t>04-Mar-24</a:t>
+              <a:t>06-Mar-24</a:t>
             </a:fld>
             <a:endParaRPr lang="en-US"/>
           </a:p>
@@ -993,7 +997,7 @@
           <a:p>
             <a:fld id="{A35E2E98-A03A-4DC7-9B11-0B5AC1B3BAD8}" type="datetimeFigureOut">
               <a:rPr lang="en-US" smtClean="0"/>
-              <a:t>04-Mar-24</a:t>
+              <a:t>06-Mar-24</a:t>
             </a:fld>
             <a:endParaRPr lang="en-US"/>
           </a:p>
@@ -1336,7 +1340,7 @@
           <a:p>
             <a:fld id="{A35E2E98-A03A-4DC7-9B11-0B5AC1B3BAD8}" type="datetimeFigureOut">
               <a:rPr lang="en-US" smtClean="0"/>
-              <a:t>04-Mar-24</a:t>
+              <a:t>06-Mar-24</a:t>
             </a:fld>
             <a:endParaRPr lang="en-US"/>
           </a:p>
@@ -1611,7 +1615,7 @@
           <a:p>
             <a:fld id="{A35E2E98-A03A-4DC7-9B11-0B5AC1B3BAD8}" type="datetimeFigureOut">
               <a:rPr lang="en-US" smtClean="0"/>
-              <a:t>04-Mar-24</a:t>
+              <a:t>06-Mar-24</a:t>
             </a:fld>
             <a:endParaRPr lang="en-US"/>
           </a:p>
@@ -1990,7 +1994,7 @@
           <a:p>
             <a:fld id="{A35E2E98-A03A-4DC7-9B11-0B5AC1B3BAD8}" type="datetimeFigureOut">
               <a:rPr lang="en-US" smtClean="0"/>
-              <a:t>04-Mar-24</a:t>
+              <a:t>06-Mar-24</a:t>
             </a:fld>
             <a:endParaRPr lang="en-US"/>
           </a:p>
@@ -2108,7 +2112,7 @@
           <a:p>
             <a:fld id="{A35E2E98-A03A-4DC7-9B11-0B5AC1B3BAD8}" type="datetimeFigureOut">
               <a:rPr lang="en-US" smtClean="0"/>
-              <a:t>04-Mar-24</a:t>
+              <a:t>06-Mar-24</a:t>
             </a:fld>
             <a:endParaRPr lang="en-US"/>
           </a:p>
@@ -2279,7 +2283,7 @@
           <a:p>
             <a:fld id="{A35E2E98-A03A-4DC7-9B11-0B5AC1B3BAD8}" type="datetimeFigureOut">
               <a:rPr lang="en-US" smtClean="0"/>
-              <a:t>04-Mar-24</a:t>
+              <a:t>06-Mar-24</a:t>
             </a:fld>
             <a:endParaRPr lang="en-US"/>
           </a:p>
@@ -2633,7 +2637,7 @@
           <a:p>
             <a:fld id="{A35E2E98-A03A-4DC7-9B11-0B5AC1B3BAD8}" type="datetimeFigureOut">
               <a:rPr lang="en-US" smtClean="0"/>
-              <a:t>04-Mar-24</a:t>
+              <a:t>06-Mar-24</a:t>
             </a:fld>
             <a:endParaRPr lang="en-US"/>
           </a:p>
@@ -3015,7 +3019,7 @@
           <a:p>
             <a:fld id="{A35E2E98-A03A-4DC7-9B11-0B5AC1B3BAD8}" type="datetimeFigureOut">
               <a:rPr lang="en-US" smtClean="0"/>
-              <a:t>04-Mar-24</a:t>
+              <a:t>06-Mar-24</a:t>
             </a:fld>
             <a:endParaRPr lang="en-US"/>
           </a:p>
@@ -3302,7 +3306,7 @@
           <a:p>
             <a:fld id="{A35E2E98-A03A-4DC7-9B11-0B5AC1B3BAD8}" type="datetimeFigureOut">
               <a:rPr lang="en-US" smtClean="0"/>
-              <a:t>04-Mar-24</a:t>
+              <a:t>06-Mar-24</a:t>
             </a:fld>
             <a:endParaRPr lang="en-US"/>
           </a:p>
@@ -5344,6 +5348,68 @@
 </p:sld>
 </file>
 
+<file path=ppt/slides/slide19.xml><?xml version="1.0" encoding="utf-8"?>
+<p:sld xmlns:a="http://schemas.openxmlformats.org/drawingml/2006/main" xmlns:r="http://schemas.openxmlformats.org/officeDocument/2006/relationships" xmlns:p="http://schemas.openxmlformats.org/presentationml/2006/main">
+  <p:cSld>
+    <p:spTree>
+      <p:nvGrpSpPr>
+        <p:cNvPr id="1" name=""/>
+        <p:cNvGrpSpPr/>
+        <p:nvPr/>
+      </p:nvGrpSpPr>
+      <p:grpSpPr>
+        <a:xfrm>
+          <a:off x="0" y="0"/>
+          <a:ext cx="0" cy="0"/>
+          <a:chOff x="0" y="0"/>
+          <a:chExt cx="0" cy="0"/>
+        </a:xfrm>
+      </p:grpSpPr>
+      <p:sp>
+        <p:nvSpPr>
+          <p:cNvPr id="2" name="Title 1">
+            <a:extLst>
+              <a:ext uri="{FF2B5EF4-FFF2-40B4-BE49-F238E27FC236}">
+                <a16:creationId xmlns:a16="http://schemas.microsoft.com/office/drawing/2014/main" id="{1DF8BB68-998D-403D-DF97-FDC630FB86C6}"/>
+              </a:ext>
+            </a:extLst>
+          </p:cNvPr>
+          <p:cNvSpPr>
+            <a:spLocks noGrp="1"/>
+          </p:cNvSpPr>
+          <p:nvPr>
+            <p:ph type="ctrTitle"/>
+          </p:nvPr>
+        </p:nvSpPr>
+        <p:spPr/>
+        <p:txBody>
+          <a:bodyPr/>
+          <a:lstStyle/>
+          <a:p>
+            <a:r>
+              <a:rPr lang="en-US" b="1" dirty="0">
+                <a:solidFill>
+                  <a:srgbClr val="FF0000"/>
+                </a:solidFill>
+              </a:rPr>
+              <a:t>Delegates</a:t>
+            </a:r>
+          </a:p>
+        </p:txBody>
+      </p:sp>
+    </p:spTree>
+    <p:extLst>
+      <p:ext uri="{BB962C8B-B14F-4D97-AF65-F5344CB8AC3E}">
+        <p14:creationId xmlns:p14="http://schemas.microsoft.com/office/powerpoint/2010/main" val="3763833710"/>
+      </p:ext>
+    </p:extLst>
+  </p:cSld>
+  <p:clrMapOvr>
+    <a:masterClrMapping/>
+  </p:clrMapOvr>
+</p:sld>
+</file>
+
 <file path=ppt/slides/slide2.xml><?xml version="1.0" encoding="utf-8"?>
 <p:sld xmlns:a="http://schemas.openxmlformats.org/drawingml/2006/main" xmlns:r="http://schemas.openxmlformats.org/officeDocument/2006/relationships" xmlns:p="http://schemas.openxmlformats.org/presentationml/2006/main">
   <p:cSld>
@@ -5484,6 +5550,517 @@
     <p:extLst>
       <p:ext uri="{BB962C8B-B14F-4D97-AF65-F5344CB8AC3E}">
         <p14:creationId xmlns:p14="http://schemas.microsoft.com/office/powerpoint/2010/main" val="3620293917"/>
+      </p:ext>
+    </p:extLst>
+  </p:cSld>
+  <p:clrMapOvr>
+    <a:masterClrMapping/>
+  </p:clrMapOvr>
+</p:sld>
+</file>
+
+<file path=ppt/slides/slide20.xml><?xml version="1.0" encoding="utf-8"?>
+<p:sld xmlns:a="http://schemas.openxmlformats.org/drawingml/2006/main" xmlns:r="http://schemas.openxmlformats.org/officeDocument/2006/relationships" xmlns:p="http://schemas.openxmlformats.org/presentationml/2006/main">
+  <p:cSld>
+    <p:spTree>
+      <p:nvGrpSpPr>
+        <p:cNvPr id="1" name=""/>
+        <p:cNvGrpSpPr/>
+        <p:nvPr/>
+      </p:nvGrpSpPr>
+      <p:grpSpPr>
+        <a:xfrm>
+          <a:off x="0" y="0"/>
+          <a:ext cx="0" cy="0"/>
+          <a:chOff x="0" y="0"/>
+          <a:chExt cx="0" cy="0"/>
+        </a:xfrm>
+      </p:grpSpPr>
+      <p:sp>
+        <p:nvSpPr>
+          <p:cNvPr id="2" name="Title 1">
+            <a:extLst>
+              <a:ext uri="{FF2B5EF4-FFF2-40B4-BE49-F238E27FC236}">
+                <a16:creationId xmlns:a16="http://schemas.microsoft.com/office/drawing/2014/main" id="{E929DBD5-3237-28BD-C3BD-1CC28FF16EBC}"/>
+              </a:ext>
+            </a:extLst>
+          </p:cNvPr>
+          <p:cNvSpPr>
+            <a:spLocks noGrp="1"/>
+          </p:cNvSpPr>
+          <p:nvPr>
+            <p:ph type="title"/>
+          </p:nvPr>
+        </p:nvSpPr>
+        <p:spPr/>
+        <p:txBody>
+          <a:bodyPr/>
+          <a:lstStyle/>
+          <a:p>
+            <a:r>
+              <a:rPr lang="en-US" b="1" dirty="0">
+                <a:solidFill>
+                  <a:srgbClr val="FF0000"/>
+                </a:solidFill>
+                <a:ea typeface="Cambria" panose="02040503050406030204" pitchFamily="18" charset="0"/>
+              </a:rPr>
+              <a:t>Delegates</a:t>
+            </a:r>
+          </a:p>
+        </p:txBody>
+      </p:sp>
+      <p:sp>
+        <p:nvSpPr>
+          <p:cNvPr id="3" name="Content Placeholder 2">
+            <a:extLst>
+              <a:ext uri="{FF2B5EF4-FFF2-40B4-BE49-F238E27FC236}">
+                <a16:creationId xmlns:a16="http://schemas.microsoft.com/office/drawing/2014/main" id="{4E5DF1B6-2300-1E04-4C3B-79087D7D0045}"/>
+              </a:ext>
+            </a:extLst>
+          </p:cNvPr>
+          <p:cNvSpPr>
+            <a:spLocks noGrp="1"/>
+          </p:cNvSpPr>
+          <p:nvPr>
+            <p:ph idx="1"/>
+          </p:nvPr>
+        </p:nvSpPr>
+        <p:spPr/>
+        <p:txBody>
+          <a:bodyPr>
+            <a:normAutofit/>
+          </a:bodyPr>
+          <a:lstStyle/>
+          <a:p>
+            <a:pPr lvl="1">
+              <a:buFont typeface="Arial" panose="020B0604020202020204" pitchFamily="34" charset="0"/>
+              <a:buChar char="•"/>
+            </a:pPr>
+            <a:r>
+              <a:rPr lang="en-US" sz="2000" dirty="0"/>
+              <a:t>It’s a type safe function pointer</a:t>
+            </a:r>
+          </a:p>
+          <a:p>
+            <a:pPr lvl="1">
+              <a:buFont typeface="Arial" panose="020B0604020202020204" pitchFamily="34" charset="0"/>
+              <a:buChar char="•"/>
+            </a:pPr>
+            <a:r>
+              <a:rPr lang="en-US" sz="2000" dirty="0"/>
+              <a:t>A delegate holds the reference of a method and then calls the method for execution</a:t>
+            </a:r>
+          </a:p>
+          <a:p>
+            <a:pPr lvl="1">
+              <a:buFont typeface="Arial" panose="020B0604020202020204" pitchFamily="34" charset="0"/>
+              <a:buChar char="•"/>
+            </a:pPr>
+            <a:r>
+              <a:rPr lang="en-US" sz="2000" dirty="0"/>
+              <a:t>Method calling in C#,</a:t>
+            </a:r>
+          </a:p>
+          <a:p>
+            <a:pPr lvl="2">
+              <a:buFont typeface="Arial" panose="020B0604020202020204" pitchFamily="34" charset="0"/>
+              <a:buChar char="•"/>
+            </a:pPr>
+            <a:r>
+              <a:rPr lang="en-US" sz="1600" dirty="0"/>
+              <a:t>Non static method: by using instance of a class</a:t>
+            </a:r>
+          </a:p>
+          <a:p>
+            <a:pPr lvl="2">
+              <a:buFont typeface="Arial" panose="020B0604020202020204" pitchFamily="34" charset="0"/>
+              <a:buChar char="•"/>
+            </a:pPr>
+            <a:r>
+              <a:rPr lang="en-US" sz="1600" dirty="0"/>
+              <a:t>Static method: by using name of a class</a:t>
+            </a:r>
+          </a:p>
+          <a:p>
+            <a:pPr lvl="2">
+              <a:buFont typeface="Arial" panose="020B0604020202020204" pitchFamily="34" charset="0"/>
+              <a:buChar char="•"/>
+            </a:pPr>
+            <a:r>
+              <a:rPr lang="en-US" sz="1600" dirty="0"/>
+              <a:t>By using a delegate</a:t>
+            </a:r>
+          </a:p>
+        </p:txBody>
+      </p:sp>
+    </p:spTree>
+    <p:extLst>
+      <p:ext uri="{BB962C8B-B14F-4D97-AF65-F5344CB8AC3E}">
+        <p14:creationId xmlns:p14="http://schemas.microsoft.com/office/powerpoint/2010/main" val="229076093"/>
+      </p:ext>
+    </p:extLst>
+  </p:cSld>
+  <p:clrMapOvr>
+    <a:masterClrMapping/>
+  </p:clrMapOvr>
+</p:sld>
+</file>
+
+<file path=ppt/slides/slide21.xml><?xml version="1.0" encoding="utf-8"?>
+<p:sld xmlns:a="http://schemas.openxmlformats.org/drawingml/2006/main" xmlns:r="http://schemas.openxmlformats.org/officeDocument/2006/relationships" xmlns:p="http://schemas.openxmlformats.org/presentationml/2006/main">
+  <p:cSld>
+    <p:spTree>
+      <p:nvGrpSpPr>
+        <p:cNvPr id="1" name=""/>
+        <p:cNvGrpSpPr/>
+        <p:nvPr/>
+      </p:nvGrpSpPr>
+      <p:grpSpPr>
+        <a:xfrm>
+          <a:off x="0" y="0"/>
+          <a:ext cx="0" cy="0"/>
+          <a:chOff x="0" y="0"/>
+          <a:chExt cx="0" cy="0"/>
+        </a:xfrm>
+      </p:grpSpPr>
+      <p:sp>
+        <p:nvSpPr>
+          <p:cNvPr id="2" name="Title 1">
+            <a:extLst>
+              <a:ext uri="{FF2B5EF4-FFF2-40B4-BE49-F238E27FC236}">
+                <a16:creationId xmlns:a16="http://schemas.microsoft.com/office/drawing/2014/main" id="{E929DBD5-3237-28BD-C3BD-1CC28FF16EBC}"/>
+              </a:ext>
+            </a:extLst>
+          </p:cNvPr>
+          <p:cNvSpPr>
+            <a:spLocks noGrp="1"/>
+          </p:cNvSpPr>
+          <p:nvPr>
+            <p:ph type="title"/>
+          </p:nvPr>
+        </p:nvSpPr>
+        <p:spPr/>
+        <p:txBody>
+          <a:bodyPr/>
+          <a:lstStyle/>
+          <a:p>
+            <a:r>
+              <a:rPr lang="en-US" b="1" dirty="0">
+                <a:solidFill>
+                  <a:srgbClr val="FF0000"/>
+                </a:solidFill>
+                <a:ea typeface="Cambria" panose="02040503050406030204" pitchFamily="18" charset="0"/>
+              </a:rPr>
+              <a:t>Delegates</a:t>
+            </a:r>
+          </a:p>
+        </p:txBody>
+      </p:sp>
+      <p:sp>
+        <p:nvSpPr>
+          <p:cNvPr id="3" name="Content Placeholder 2">
+            <a:extLst>
+              <a:ext uri="{FF2B5EF4-FFF2-40B4-BE49-F238E27FC236}">
+                <a16:creationId xmlns:a16="http://schemas.microsoft.com/office/drawing/2014/main" id="{4E5DF1B6-2300-1E04-4C3B-79087D7D0045}"/>
+              </a:ext>
+            </a:extLst>
+          </p:cNvPr>
+          <p:cNvSpPr>
+            <a:spLocks noGrp="1"/>
+          </p:cNvSpPr>
+          <p:nvPr>
+            <p:ph idx="1"/>
+          </p:nvPr>
+        </p:nvSpPr>
+        <p:spPr>
+          <a:xfrm>
+            <a:off x="1097280" y="1845734"/>
+            <a:ext cx="10850880" cy="4382346"/>
+          </a:xfrm>
+        </p:spPr>
+        <p:txBody>
+          <a:bodyPr>
+            <a:normAutofit lnSpcReduction="10000"/>
+          </a:bodyPr>
+          <a:lstStyle/>
+          <a:p>
+            <a:pPr lvl="1">
+              <a:buFont typeface="Arial" panose="020B0604020202020204" pitchFamily="34" charset="0"/>
+              <a:buChar char="•"/>
+            </a:pPr>
+            <a:r>
+              <a:rPr lang="en-US" sz="2000" dirty="0"/>
+              <a:t>How to write a delegate,</a:t>
+            </a:r>
+          </a:p>
+          <a:p>
+            <a:pPr lvl="2">
+              <a:buFont typeface="Arial" panose="020B0604020202020204" pitchFamily="34" charset="0"/>
+              <a:buChar char="•"/>
+            </a:pPr>
+            <a:r>
+              <a:rPr lang="en-US" sz="1600" dirty="0"/>
+              <a:t>Method name and delegate name will not be same</a:t>
+            </a:r>
+          </a:p>
+          <a:p>
+            <a:pPr lvl="2">
+              <a:buFont typeface="Arial" panose="020B0604020202020204" pitchFamily="34" charset="0"/>
+              <a:buChar char="•"/>
+            </a:pPr>
+            <a:r>
+              <a:rPr lang="en-US" sz="1600" dirty="0"/>
+              <a:t>Return type of a delegate must be same as method’s return type</a:t>
+            </a:r>
+          </a:p>
+          <a:p>
+            <a:pPr lvl="2">
+              <a:buFont typeface="Arial" panose="020B0604020202020204" pitchFamily="34" charset="0"/>
+              <a:buChar char="•"/>
+            </a:pPr>
+            <a:r>
+              <a:rPr lang="en-US" sz="1600" dirty="0"/>
+              <a:t>Parameters of a delegate must be same as parameters of a method</a:t>
+            </a:r>
+          </a:p>
+          <a:p>
+            <a:pPr lvl="1">
+              <a:buFont typeface="Arial" panose="020B0604020202020204" pitchFamily="34" charset="0"/>
+              <a:buChar char="•"/>
+            </a:pPr>
+            <a:endParaRPr lang="en-US" sz="2000" dirty="0"/>
+          </a:p>
+          <a:p>
+            <a:pPr lvl="1">
+              <a:buFont typeface="Arial" panose="020B0604020202020204" pitchFamily="34" charset="0"/>
+              <a:buChar char="•"/>
+            </a:pPr>
+            <a:r>
+              <a:rPr lang="en-US" sz="2000" dirty="0"/>
+              <a:t>Define a delegate</a:t>
+            </a:r>
+          </a:p>
+          <a:p>
+            <a:pPr lvl="2">
+              <a:buFont typeface="Arial" panose="020B0604020202020204" pitchFamily="34" charset="0"/>
+              <a:buChar char="•"/>
+            </a:pPr>
+            <a:r>
+              <a:rPr lang="en-US" sz="1600" dirty="0"/>
+              <a:t>Should be under namespace, but can be declared inside a class as well</a:t>
+            </a:r>
+          </a:p>
+          <a:p>
+            <a:pPr marL="384048" lvl="2" indent="0" algn="ctr">
+              <a:buNone/>
+            </a:pPr>
+            <a:r>
+              <a:rPr lang="en-US" sz="1600" dirty="0"/>
+              <a:t>[&lt;modifiers&gt;] delegate </a:t>
+            </a:r>
+            <a:r>
+              <a:rPr lang="en-US" sz="1600" dirty="0" err="1"/>
+              <a:t>ReturnType</a:t>
+            </a:r>
+            <a:r>
+              <a:rPr lang="en-US" sz="1600" dirty="0"/>
+              <a:t> | Void &lt;Name&gt;([&lt;parameter list&gt;])</a:t>
+            </a:r>
+          </a:p>
+          <a:p>
+            <a:pPr lvl="1">
+              <a:buFont typeface="Arial" panose="020B0604020202020204" pitchFamily="34" charset="0"/>
+              <a:buChar char="•"/>
+            </a:pPr>
+            <a:endParaRPr lang="en-US" sz="2000" dirty="0"/>
+          </a:p>
+          <a:p>
+            <a:pPr lvl="1">
+              <a:buFont typeface="Arial" panose="020B0604020202020204" pitchFamily="34" charset="0"/>
+              <a:buChar char="•"/>
+            </a:pPr>
+            <a:r>
+              <a:rPr lang="en-US" sz="2000" dirty="0"/>
+              <a:t>Instantiate a delegate</a:t>
+            </a:r>
+          </a:p>
+          <a:p>
+            <a:pPr lvl="2">
+              <a:buFont typeface="Arial" panose="020B0604020202020204" pitchFamily="34" charset="0"/>
+              <a:buChar char="•"/>
+            </a:pPr>
+            <a:r>
+              <a:rPr lang="en-US" sz="1600" dirty="0"/>
+              <a:t>Delegate holds the reference of a method</a:t>
+            </a:r>
+          </a:p>
+          <a:p>
+            <a:pPr lvl="1">
+              <a:buFont typeface="Arial" panose="020B0604020202020204" pitchFamily="34" charset="0"/>
+              <a:buChar char="•"/>
+            </a:pPr>
+            <a:endParaRPr lang="en-US" sz="2000" dirty="0"/>
+          </a:p>
+          <a:p>
+            <a:pPr lvl="1">
+              <a:buFont typeface="Arial" panose="020B0604020202020204" pitchFamily="34" charset="0"/>
+              <a:buChar char="•"/>
+            </a:pPr>
+            <a:r>
+              <a:rPr lang="en-US" sz="2000" dirty="0"/>
+              <a:t>Call a delegate</a:t>
+            </a:r>
+          </a:p>
+          <a:p>
+            <a:pPr lvl="2">
+              <a:buFont typeface="Arial" panose="020B0604020202020204" pitchFamily="34" charset="0"/>
+              <a:buChar char="•"/>
+            </a:pPr>
+            <a:r>
+              <a:rPr lang="en-US" sz="1600" dirty="0"/>
+              <a:t>Calling a delegate by passing the required parameter values. So, internally the method which bound to the delegates gets executed</a:t>
+            </a:r>
+          </a:p>
+        </p:txBody>
+      </p:sp>
+    </p:spTree>
+    <p:extLst>
+      <p:ext uri="{BB962C8B-B14F-4D97-AF65-F5344CB8AC3E}">
+        <p14:creationId xmlns:p14="http://schemas.microsoft.com/office/powerpoint/2010/main" val="2585293737"/>
+      </p:ext>
+    </p:extLst>
+  </p:cSld>
+  <p:clrMapOvr>
+    <a:masterClrMapping/>
+  </p:clrMapOvr>
+</p:sld>
+</file>
+
+<file path=ppt/slides/slide22.xml><?xml version="1.0" encoding="utf-8"?>
+<p:sld xmlns:a="http://schemas.openxmlformats.org/drawingml/2006/main" xmlns:r="http://schemas.openxmlformats.org/officeDocument/2006/relationships" xmlns:p="http://schemas.openxmlformats.org/presentationml/2006/main">
+  <p:cSld>
+    <p:spTree>
+      <p:nvGrpSpPr>
+        <p:cNvPr id="1" name=""/>
+        <p:cNvGrpSpPr/>
+        <p:nvPr/>
+      </p:nvGrpSpPr>
+      <p:grpSpPr>
+        <a:xfrm>
+          <a:off x="0" y="0"/>
+          <a:ext cx="0" cy="0"/>
+          <a:chOff x="0" y="0"/>
+          <a:chExt cx="0" cy="0"/>
+        </a:xfrm>
+      </p:grpSpPr>
+      <p:sp>
+        <p:nvSpPr>
+          <p:cNvPr id="2" name="Title 1">
+            <a:extLst>
+              <a:ext uri="{FF2B5EF4-FFF2-40B4-BE49-F238E27FC236}">
+                <a16:creationId xmlns:a16="http://schemas.microsoft.com/office/drawing/2014/main" id="{E929DBD5-3237-28BD-C3BD-1CC28FF16EBC}"/>
+              </a:ext>
+            </a:extLst>
+          </p:cNvPr>
+          <p:cNvSpPr>
+            <a:spLocks noGrp="1"/>
+          </p:cNvSpPr>
+          <p:nvPr>
+            <p:ph type="title"/>
+          </p:nvPr>
+        </p:nvSpPr>
+        <p:spPr/>
+        <p:txBody>
+          <a:bodyPr/>
+          <a:lstStyle/>
+          <a:p>
+            <a:r>
+              <a:rPr lang="en-US" b="1" dirty="0">
+                <a:solidFill>
+                  <a:srgbClr val="FF0000"/>
+                </a:solidFill>
+                <a:ea typeface="Cambria" panose="02040503050406030204" pitchFamily="18" charset="0"/>
+              </a:rPr>
+              <a:t>Delegates</a:t>
+            </a:r>
+          </a:p>
+        </p:txBody>
+      </p:sp>
+      <p:sp>
+        <p:nvSpPr>
+          <p:cNvPr id="3" name="Content Placeholder 2">
+            <a:extLst>
+              <a:ext uri="{FF2B5EF4-FFF2-40B4-BE49-F238E27FC236}">
+                <a16:creationId xmlns:a16="http://schemas.microsoft.com/office/drawing/2014/main" id="{4E5DF1B6-2300-1E04-4C3B-79087D7D0045}"/>
+              </a:ext>
+            </a:extLst>
+          </p:cNvPr>
+          <p:cNvSpPr>
+            <a:spLocks noGrp="1"/>
+          </p:cNvSpPr>
+          <p:nvPr>
+            <p:ph idx="1"/>
+          </p:nvPr>
+        </p:nvSpPr>
+        <p:spPr/>
+        <p:txBody>
+          <a:bodyPr>
+            <a:normAutofit/>
+          </a:bodyPr>
+          <a:lstStyle/>
+          <a:p>
+            <a:pPr lvl="1">
+              <a:buFont typeface="Arial" panose="020B0604020202020204" pitchFamily="34" charset="0"/>
+              <a:buChar char="•"/>
+            </a:pPr>
+            <a:r>
+              <a:rPr lang="en-US" sz="2000" dirty="0"/>
+              <a:t>Multicast delegates</a:t>
+            </a:r>
+          </a:p>
+          <a:p>
+            <a:pPr lvl="2">
+              <a:buFont typeface="Arial" panose="020B0604020202020204" pitchFamily="34" charset="0"/>
+              <a:buChar char="•"/>
+            </a:pPr>
+            <a:r>
+              <a:rPr lang="en-US" sz="1600" dirty="0"/>
+              <a:t>Delegate will hold the reference of the more than one methods</a:t>
+            </a:r>
+          </a:p>
+          <a:p>
+            <a:pPr lvl="1">
+              <a:buFont typeface="Arial" panose="020B0604020202020204" pitchFamily="34" charset="0"/>
+              <a:buChar char="•"/>
+            </a:pPr>
+            <a:r>
+              <a:rPr lang="en-US" sz="2000" dirty="0"/>
+              <a:t>Best case use of multicast delegates,</a:t>
+            </a:r>
+          </a:p>
+          <a:p>
+            <a:pPr lvl="2">
+              <a:buFont typeface="Arial" panose="020B0604020202020204" pitchFamily="34" charset="0"/>
+              <a:buChar char="•"/>
+            </a:pPr>
+            <a:r>
+              <a:rPr lang="en-US" sz="1600" dirty="0"/>
+              <a:t>With void return type</a:t>
+            </a:r>
+          </a:p>
+          <a:p>
+            <a:pPr lvl="1">
+              <a:buFont typeface="Arial" panose="020B0604020202020204" pitchFamily="34" charset="0"/>
+              <a:buChar char="•"/>
+            </a:pPr>
+            <a:endParaRPr lang="en-US" sz="1600" dirty="0"/>
+          </a:p>
+        </p:txBody>
+      </p:sp>
+    </p:spTree>
+    <p:extLst>
+      <p:ext uri="{BB962C8B-B14F-4D97-AF65-F5344CB8AC3E}">
+        <p14:creationId xmlns:p14="http://schemas.microsoft.com/office/powerpoint/2010/main" val="1669304660"/>
       </p:ext>
     </p:extLst>
   </p:cSld>
@@ -6855,20 +7432,20 @@
 </file>
 
 <file path=customXml/item1.xml><?xml version="1.0" encoding="utf-8"?>
-<p:properties xmlns:p="http://schemas.microsoft.com/office/2006/metadata/properties" xmlns:xsi="http://www.w3.org/2001/XMLSchema-instance" xmlns:pc="http://schemas.microsoft.com/office/infopath/2007/PartnerControls">
-  <documentManagement>
-    <_activity xmlns="566b2847-4b6b-412c-8fbd-07bb6b8172bd" xsi:nil="true"/>
-  </documentManagement>
-</p:properties>
-</file>
-
-<file path=customXml/item2.xml><?xml version="1.0" encoding="utf-8"?>
 <?mso-contentType ?>
 <FormTemplates xmlns="http://schemas.microsoft.com/sharepoint/v3/contenttype/forms">
   <Display>DocumentLibraryForm</Display>
   <Edit>DocumentLibraryForm</Edit>
   <New>DocumentLibraryForm</New>
 </FormTemplates>
+</file>
+
+<file path=customXml/item2.xml><?xml version="1.0" encoding="utf-8"?>
+<p:properties xmlns:p="http://schemas.microsoft.com/office/2006/metadata/properties" xmlns:xsi="http://www.w3.org/2001/XMLSchema-instance" xmlns:pc="http://schemas.microsoft.com/office/infopath/2007/PartnerControls">
+  <documentManagement>
+    <_activity xmlns="566b2847-4b6b-412c-8fbd-07bb6b8172bd" xsi:nil="true"/>
+  </documentManagement>
+</p:properties>
 </file>
 
 <file path=customXml/item3.xml><?xml version="1.0" encoding="utf-8"?>
@@ -7125,6 +7702,14 @@
 </file>
 
 <file path=customXml/itemProps1.xml><?xml version="1.0" encoding="utf-8"?>
+<ds:datastoreItem xmlns:ds="http://schemas.openxmlformats.org/officeDocument/2006/customXml" ds:itemID="{69A0BA6B-9DB3-4B70-9A26-0692F72ACC52}">
+  <ds:schemaRefs>
+    <ds:schemaRef ds:uri="http://schemas.microsoft.com/sharepoint/v3/contenttype/forms"/>
+  </ds:schemaRefs>
+</ds:datastoreItem>
+</file>
+
+<file path=customXml/itemProps2.xml><?xml version="1.0" encoding="utf-8"?>
 <ds:datastoreItem xmlns:ds="http://schemas.openxmlformats.org/officeDocument/2006/customXml" ds:itemID="{8C7DF143-C06A-47E7-95B7-EA38AAD4A15F}">
   <ds:schemaRefs>
     <ds:schemaRef ds:uri="99f9aa81-7c22-4edc-9746-523722551add"/>
@@ -7137,14 +7722,6 @@
     <ds:schemaRef ds:uri="http://schemas.microsoft.com/office/2006/metadata/properties"/>
     <ds:schemaRef ds:uri="http://purl.org/dc/dcmitype/"/>
     <ds:schemaRef ds:uri="566b2847-4b6b-412c-8fbd-07bb6b8172bd"/>
-  </ds:schemaRefs>
-</ds:datastoreItem>
-</file>
-
-<file path=customXml/itemProps2.xml><?xml version="1.0" encoding="utf-8"?>
-<ds:datastoreItem xmlns:ds="http://schemas.openxmlformats.org/officeDocument/2006/customXml" ds:itemID="{69A0BA6B-9DB3-4B70-9A26-0692F72ACC52}">
-  <ds:schemaRefs>
-    <ds:schemaRef ds:uri="http://schemas.microsoft.com/sharepoint/v3/contenttype/forms"/>
   </ds:schemaRefs>
 </ds:datastoreItem>
 </file>

--- a/ToDo.Console/Lectures/Collections.pptx
+++ b/ToDo.Console/Lectures/Collections.pptx
@@ -27,6 +27,9 @@
     <p:sldId id="279" r:id="rId24"/>
     <p:sldId id="280" r:id="rId25"/>
     <p:sldId id="281" r:id="rId26"/>
+    <p:sldId id="282" r:id="rId27"/>
+    <p:sldId id="284" r:id="rId28"/>
+    <p:sldId id="285" r:id="rId29"/>
   </p:sldIdLst>
   <p:sldSz cx="12192000" cy="6858000"/>
   <p:notesSz cx="6858000" cy="9144000"/>
@@ -359,7 +362,7 @@
           <a:p>
             <a:fld id="{A35E2E98-A03A-4DC7-9B11-0B5AC1B3BAD8}" type="datetimeFigureOut">
               <a:rPr lang="en-US" smtClean="0"/>
-              <a:t>06-Mar-24</a:t>
+              <a:t>07-Mar-24</a:t>
             </a:fld>
             <a:endParaRPr lang="en-US"/>
           </a:p>
@@ -567,7 +570,7 @@
           <a:p>
             <a:fld id="{A35E2E98-A03A-4DC7-9B11-0B5AC1B3BAD8}" type="datetimeFigureOut">
               <a:rPr lang="en-US" smtClean="0"/>
-              <a:t>06-Mar-24</a:t>
+              <a:t>07-Mar-24</a:t>
             </a:fld>
             <a:endParaRPr lang="en-US"/>
           </a:p>
@@ -823,7 +826,7 @@
           <a:p>
             <a:fld id="{A35E2E98-A03A-4DC7-9B11-0B5AC1B3BAD8}" type="datetimeFigureOut">
               <a:rPr lang="en-US" smtClean="0"/>
-              <a:t>06-Mar-24</a:t>
+              <a:t>07-Mar-24</a:t>
             </a:fld>
             <a:endParaRPr lang="en-US"/>
           </a:p>
@@ -997,7 +1000,7 @@
           <a:p>
             <a:fld id="{A35E2E98-A03A-4DC7-9B11-0B5AC1B3BAD8}" type="datetimeFigureOut">
               <a:rPr lang="en-US" smtClean="0"/>
-              <a:t>06-Mar-24</a:t>
+              <a:t>07-Mar-24</a:t>
             </a:fld>
             <a:endParaRPr lang="en-US"/>
           </a:p>
@@ -1340,7 +1343,7 @@
           <a:p>
             <a:fld id="{A35E2E98-A03A-4DC7-9B11-0B5AC1B3BAD8}" type="datetimeFigureOut">
               <a:rPr lang="en-US" smtClean="0"/>
-              <a:t>06-Mar-24</a:t>
+              <a:t>07-Mar-24</a:t>
             </a:fld>
             <a:endParaRPr lang="en-US"/>
           </a:p>
@@ -1615,7 +1618,7 @@
           <a:p>
             <a:fld id="{A35E2E98-A03A-4DC7-9B11-0B5AC1B3BAD8}" type="datetimeFigureOut">
               <a:rPr lang="en-US" smtClean="0"/>
-              <a:t>06-Mar-24</a:t>
+              <a:t>07-Mar-24</a:t>
             </a:fld>
             <a:endParaRPr lang="en-US"/>
           </a:p>
@@ -1994,7 +1997,7 @@
           <a:p>
             <a:fld id="{A35E2E98-A03A-4DC7-9B11-0B5AC1B3BAD8}" type="datetimeFigureOut">
               <a:rPr lang="en-US" smtClean="0"/>
-              <a:t>06-Mar-24</a:t>
+              <a:t>07-Mar-24</a:t>
             </a:fld>
             <a:endParaRPr lang="en-US"/>
           </a:p>
@@ -2112,7 +2115,7 @@
           <a:p>
             <a:fld id="{A35E2E98-A03A-4DC7-9B11-0B5AC1B3BAD8}" type="datetimeFigureOut">
               <a:rPr lang="en-US" smtClean="0"/>
-              <a:t>06-Mar-24</a:t>
+              <a:t>07-Mar-24</a:t>
             </a:fld>
             <a:endParaRPr lang="en-US"/>
           </a:p>
@@ -2283,7 +2286,7 @@
           <a:p>
             <a:fld id="{A35E2E98-A03A-4DC7-9B11-0B5AC1B3BAD8}" type="datetimeFigureOut">
               <a:rPr lang="en-US" smtClean="0"/>
-              <a:t>06-Mar-24</a:t>
+              <a:t>07-Mar-24</a:t>
             </a:fld>
             <a:endParaRPr lang="en-US"/>
           </a:p>
@@ -2637,7 +2640,7 @@
           <a:p>
             <a:fld id="{A35E2E98-A03A-4DC7-9B11-0B5AC1B3BAD8}" type="datetimeFigureOut">
               <a:rPr lang="en-US" smtClean="0"/>
-              <a:t>06-Mar-24</a:t>
+              <a:t>07-Mar-24</a:t>
             </a:fld>
             <a:endParaRPr lang="en-US"/>
           </a:p>
@@ -3019,7 +3022,7 @@
           <a:p>
             <a:fld id="{A35E2E98-A03A-4DC7-9B11-0B5AC1B3BAD8}" type="datetimeFigureOut">
               <a:rPr lang="en-US" smtClean="0"/>
-              <a:t>06-Mar-24</a:t>
+              <a:t>07-Mar-24</a:t>
             </a:fld>
             <a:endParaRPr lang="en-US"/>
           </a:p>
@@ -3306,7 +3309,7 @@
           <a:p>
             <a:fld id="{A35E2E98-A03A-4DC7-9B11-0B5AC1B3BAD8}" type="datetimeFigureOut">
               <a:rPr lang="en-US" smtClean="0"/>
-              <a:t>06-Mar-24</a:t>
+              <a:t>07-Mar-24</a:t>
             </a:fld>
             <a:endParaRPr lang="en-US"/>
           </a:p>
@@ -6070,6 +6073,376 @@
 </p:sld>
 </file>
 
+<file path=ppt/slides/slide23.xml><?xml version="1.0" encoding="utf-8"?>
+<p:sld xmlns:a="http://schemas.openxmlformats.org/drawingml/2006/main" xmlns:r="http://schemas.openxmlformats.org/officeDocument/2006/relationships" xmlns:p="http://schemas.openxmlformats.org/presentationml/2006/main">
+  <p:cSld>
+    <p:spTree>
+      <p:nvGrpSpPr>
+        <p:cNvPr id="1" name=""/>
+        <p:cNvGrpSpPr/>
+        <p:nvPr/>
+      </p:nvGrpSpPr>
+      <p:grpSpPr>
+        <a:xfrm>
+          <a:off x="0" y="0"/>
+          <a:ext cx="0" cy="0"/>
+          <a:chOff x="0" y="0"/>
+          <a:chExt cx="0" cy="0"/>
+        </a:xfrm>
+      </p:grpSpPr>
+      <p:sp>
+        <p:nvSpPr>
+          <p:cNvPr id="2" name="Title 1">
+            <a:extLst>
+              <a:ext uri="{FF2B5EF4-FFF2-40B4-BE49-F238E27FC236}">
+                <a16:creationId xmlns:a16="http://schemas.microsoft.com/office/drawing/2014/main" id="{E929DBD5-3237-28BD-C3BD-1CC28FF16EBC}"/>
+              </a:ext>
+            </a:extLst>
+          </p:cNvPr>
+          <p:cNvSpPr>
+            <a:spLocks noGrp="1"/>
+          </p:cNvSpPr>
+          <p:nvPr>
+            <p:ph type="title"/>
+          </p:nvPr>
+        </p:nvSpPr>
+        <p:spPr/>
+        <p:txBody>
+          <a:bodyPr/>
+          <a:lstStyle/>
+          <a:p>
+            <a:r>
+              <a:rPr lang="en-US" b="1" dirty="0">
+                <a:solidFill>
+                  <a:srgbClr val="FF0000"/>
+                </a:solidFill>
+                <a:ea typeface="Cambria" panose="02040503050406030204" pitchFamily="18" charset="0"/>
+              </a:rPr>
+              <a:t>Delegates</a:t>
+            </a:r>
+          </a:p>
+        </p:txBody>
+      </p:sp>
+      <p:sp>
+        <p:nvSpPr>
+          <p:cNvPr id="3" name="Content Placeholder 2">
+            <a:extLst>
+              <a:ext uri="{FF2B5EF4-FFF2-40B4-BE49-F238E27FC236}">
+                <a16:creationId xmlns:a16="http://schemas.microsoft.com/office/drawing/2014/main" id="{4E5DF1B6-2300-1E04-4C3B-79087D7D0045}"/>
+              </a:ext>
+            </a:extLst>
+          </p:cNvPr>
+          <p:cNvSpPr>
+            <a:spLocks noGrp="1"/>
+          </p:cNvSpPr>
+          <p:nvPr>
+            <p:ph idx="1"/>
+          </p:nvPr>
+        </p:nvSpPr>
+        <p:spPr/>
+        <p:txBody>
+          <a:bodyPr>
+            <a:normAutofit/>
+          </a:bodyPr>
+          <a:lstStyle/>
+          <a:p>
+            <a:pPr lvl="1">
+              <a:buFont typeface="Arial" panose="020B0604020202020204" pitchFamily="34" charset="0"/>
+              <a:buChar char="•"/>
+            </a:pPr>
+            <a:r>
+              <a:rPr lang="en-US" sz="2000" dirty="0"/>
+              <a:t>Generic delegates</a:t>
+            </a:r>
+          </a:p>
+          <a:p>
+            <a:pPr lvl="2">
+              <a:buFont typeface="Arial" panose="020B0604020202020204" pitchFamily="34" charset="0"/>
+              <a:buChar char="•"/>
+            </a:pPr>
+            <a:r>
+              <a:rPr lang="en-US" sz="1600" dirty="0"/>
+              <a:t>If we have five methods, we can create five delegates. But when we work on large projects, we may have to create fifty or five hundred delegates. If we want to encapsulate them by using delegates, then we must create fifty or five hundred delegates. That will really increase the size of our code and make our application slow.</a:t>
+            </a:r>
+          </a:p>
+          <a:p>
+            <a:pPr lvl="2">
+              <a:buFont typeface="Arial" panose="020B0604020202020204" pitchFamily="34" charset="0"/>
+              <a:buChar char="•"/>
+            </a:pPr>
+            <a:r>
+              <a:rPr lang="en-US" sz="1600" dirty="0"/>
+              <a:t>This ca be addressed with generic delegates</a:t>
+            </a:r>
+          </a:p>
+          <a:p>
+            <a:pPr lvl="1">
+              <a:buFont typeface="Arial" panose="020B0604020202020204" pitchFamily="34" charset="0"/>
+              <a:buChar char="•"/>
+            </a:pPr>
+            <a:endParaRPr lang="en-US" sz="1600" dirty="0"/>
+          </a:p>
+        </p:txBody>
+      </p:sp>
+    </p:spTree>
+    <p:extLst>
+      <p:ext uri="{BB962C8B-B14F-4D97-AF65-F5344CB8AC3E}">
+        <p14:creationId xmlns:p14="http://schemas.microsoft.com/office/powerpoint/2010/main" val="4272555248"/>
+      </p:ext>
+    </p:extLst>
+  </p:cSld>
+  <p:clrMapOvr>
+    <a:masterClrMapping/>
+  </p:clrMapOvr>
+</p:sld>
+</file>
+
+<file path=ppt/slides/slide24.xml><?xml version="1.0" encoding="utf-8"?>
+<p:sld xmlns:a="http://schemas.openxmlformats.org/drawingml/2006/main" xmlns:r="http://schemas.openxmlformats.org/officeDocument/2006/relationships" xmlns:p="http://schemas.openxmlformats.org/presentationml/2006/main">
+  <p:cSld>
+    <p:spTree>
+      <p:nvGrpSpPr>
+        <p:cNvPr id="1" name=""/>
+        <p:cNvGrpSpPr/>
+        <p:nvPr/>
+      </p:nvGrpSpPr>
+      <p:grpSpPr>
+        <a:xfrm>
+          <a:off x="0" y="0"/>
+          <a:ext cx="0" cy="0"/>
+          <a:chOff x="0" y="0"/>
+          <a:chExt cx="0" cy="0"/>
+        </a:xfrm>
+      </p:grpSpPr>
+      <p:sp>
+        <p:nvSpPr>
+          <p:cNvPr id="2" name="Title 1">
+            <a:extLst>
+              <a:ext uri="{FF2B5EF4-FFF2-40B4-BE49-F238E27FC236}">
+                <a16:creationId xmlns:a16="http://schemas.microsoft.com/office/drawing/2014/main" id="{E929DBD5-3237-28BD-C3BD-1CC28FF16EBC}"/>
+              </a:ext>
+            </a:extLst>
+          </p:cNvPr>
+          <p:cNvSpPr>
+            <a:spLocks noGrp="1"/>
+          </p:cNvSpPr>
+          <p:nvPr>
+            <p:ph type="title"/>
+          </p:nvPr>
+        </p:nvSpPr>
+        <p:spPr/>
+        <p:txBody>
+          <a:bodyPr/>
+          <a:lstStyle/>
+          <a:p>
+            <a:r>
+              <a:rPr lang="en-US" b="1" dirty="0">
+                <a:solidFill>
+                  <a:srgbClr val="FF0000"/>
+                </a:solidFill>
+                <a:ea typeface="Cambria" panose="02040503050406030204" pitchFamily="18" charset="0"/>
+              </a:rPr>
+              <a:t>Anonymous Methods</a:t>
+            </a:r>
+          </a:p>
+        </p:txBody>
+      </p:sp>
+      <p:sp>
+        <p:nvSpPr>
+          <p:cNvPr id="3" name="Content Placeholder 2">
+            <a:extLst>
+              <a:ext uri="{FF2B5EF4-FFF2-40B4-BE49-F238E27FC236}">
+                <a16:creationId xmlns:a16="http://schemas.microsoft.com/office/drawing/2014/main" id="{4E5DF1B6-2300-1E04-4C3B-79087D7D0045}"/>
+              </a:ext>
+            </a:extLst>
+          </p:cNvPr>
+          <p:cNvSpPr>
+            <a:spLocks noGrp="1"/>
+          </p:cNvSpPr>
+          <p:nvPr>
+            <p:ph idx="1"/>
+          </p:nvPr>
+        </p:nvSpPr>
+        <p:spPr/>
+        <p:txBody>
+          <a:bodyPr>
+            <a:normAutofit/>
+          </a:bodyPr>
+          <a:lstStyle/>
+          <a:p>
+            <a:pPr lvl="1">
+              <a:buFont typeface="Arial" panose="020B0604020202020204" pitchFamily="34" charset="0"/>
+              <a:buChar char="•"/>
+            </a:pPr>
+            <a:r>
+              <a:rPr lang="en-US" sz="2000" dirty="0"/>
+              <a:t>The anonymous methods are defined using the delegate keyword</a:t>
+            </a:r>
+          </a:p>
+          <a:p>
+            <a:pPr lvl="1">
+              <a:buFont typeface="Arial" panose="020B0604020202020204" pitchFamily="34" charset="0"/>
+              <a:buChar char="•"/>
+            </a:pPr>
+            <a:r>
+              <a:rPr lang="en-US" sz="2000" dirty="0"/>
+              <a:t>An anonymous method must be assigned to a delegate type.</a:t>
+            </a:r>
+          </a:p>
+          <a:p>
+            <a:pPr lvl="1">
+              <a:buFont typeface="Arial" panose="020B0604020202020204" pitchFamily="34" charset="0"/>
+              <a:buChar char="•"/>
+            </a:pPr>
+            <a:r>
+              <a:rPr lang="en-US" sz="2000" dirty="0"/>
+              <a:t>This method can access outer variables or functions except for the outer function ref and out parameter.</a:t>
+            </a:r>
+          </a:p>
+          <a:p>
+            <a:pPr lvl="1">
+              <a:buFont typeface="Arial" panose="020B0604020202020204" pitchFamily="34" charset="0"/>
+              <a:buChar char="•"/>
+            </a:pPr>
+            <a:r>
+              <a:rPr lang="en-US" sz="2000" dirty="0"/>
+              <a:t>An anonymous method can be passed as a parameter.</a:t>
+            </a:r>
+            <a:endParaRPr lang="en-US" sz="1600" dirty="0"/>
+          </a:p>
+        </p:txBody>
+      </p:sp>
+    </p:spTree>
+    <p:extLst>
+      <p:ext uri="{BB962C8B-B14F-4D97-AF65-F5344CB8AC3E}">
+        <p14:creationId xmlns:p14="http://schemas.microsoft.com/office/powerpoint/2010/main" val="3615019676"/>
+      </p:ext>
+    </p:extLst>
+  </p:cSld>
+  <p:clrMapOvr>
+    <a:masterClrMapping/>
+  </p:clrMapOvr>
+</p:sld>
+</file>
+
+<file path=ppt/slides/slide25.xml><?xml version="1.0" encoding="utf-8"?>
+<p:sld xmlns:a="http://schemas.openxmlformats.org/drawingml/2006/main" xmlns:r="http://schemas.openxmlformats.org/officeDocument/2006/relationships" xmlns:p="http://schemas.openxmlformats.org/presentationml/2006/main">
+  <p:cSld>
+    <p:spTree>
+      <p:nvGrpSpPr>
+        <p:cNvPr id="1" name=""/>
+        <p:cNvGrpSpPr/>
+        <p:nvPr/>
+      </p:nvGrpSpPr>
+      <p:grpSpPr>
+        <a:xfrm>
+          <a:off x="0" y="0"/>
+          <a:ext cx="0" cy="0"/>
+          <a:chOff x="0" y="0"/>
+          <a:chExt cx="0" cy="0"/>
+        </a:xfrm>
+      </p:grpSpPr>
+      <p:sp>
+        <p:nvSpPr>
+          <p:cNvPr id="2" name="Title 1">
+            <a:extLst>
+              <a:ext uri="{FF2B5EF4-FFF2-40B4-BE49-F238E27FC236}">
+                <a16:creationId xmlns:a16="http://schemas.microsoft.com/office/drawing/2014/main" id="{E929DBD5-3237-28BD-C3BD-1CC28FF16EBC}"/>
+              </a:ext>
+            </a:extLst>
+          </p:cNvPr>
+          <p:cNvSpPr>
+            <a:spLocks noGrp="1"/>
+          </p:cNvSpPr>
+          <p:nvPr>
+            <p:ph type="title"/>
+          </p:nvPr>
+        </p:nvSpPr>
+        <p:spPr/>
+        <p:txBody>
+          <a:bodyPr/>
+          <a:lstStyle/>
+          <a:p>
+            <a:r>
+              <a:rPr lang="en-US" b="1" dirty="0">
+                <a:solidFill>
+                  <a:srgbClr val="FF0000"/>
+                </a:solidFill>
+                <a:ea typeface="Cambria" panose="02040503050406030204" pitchFamily="18" charset="0"/>
+              </a:rPr>
+              <a:t>Lambda Expressions</a:t>
+            </a:r>
+          </a:p>
+        </p:txBody>
+      </p:sp>
+      <p:sp>
+        <p:nvSpPr>
+          <p:cNvPr id="3" name="Content Placeholder 2">
+            <a:extLst>
+              <a:ext uri="{FF2B5EF4-FFF2-40B4-BE49-F238E27FC236}">
+                <a16:creationId xmlns:a16="http://schemas.microsoft.com/office/drawing/2014/main" id="{4E5DF1B6-2300-1E04-4C3B-79087D7D0045}"/>
+              </a:ext>
+            </a:extLst>
+          </p:cNvPr>
+          <p:cNvSpPr>
+            <a:spLocks noGrp="1"/>
+          </p:cNvSpPr>
+          <p:nvPr>
+            <p:ph idx="1"/>
+          </p:nvPr>
+        </p:nvSpPr>
+        <p:spPr/>
+        <p:txBody>
+          <a:bodyPr>
+            <a:normAutofit/>
+          </a:bodyPr>
+          <a:lstStyle/>
+          <a:p>
+            <a:pPr lvl="1">
+              <a:buFont typeface="Arial" panose="020B0604020202020204" pitchFamily="34" charset="0"/>
+              <a:buChar char="•"/>
+            </a:pPr>
+            <a:r>
+              <a:rPr lang="en-US" sz="2000" dirty="0"/>
+              <a:t>The Lambda Expression in C# is the shorthand for writing the Anonymous Function. </a:t>
+            </a:r>
+          </a:p>
+          <a:p>
+            <a:pPr lvl="1">
+              <a:buFont typeface="Arial" panose="020B0604020202020204" pitchFamily="34" charset="0"/>
+              <a:buChar char="•"/>
+            </a:pPr>
+            <a:r>
+              <a:rPr lang="en-US" sz="2000" dirty="0"/>
+              <a:t>So, we can say that the Lambda Expression is nothing but to simplify the anonymous function in C# and,</a:t>
+            </a:r>
+          </a:p>
+          <a:p>
+            <a:pPr lvl="1">
+              <a:buFont typeface="Arial" panose="020B0604020202020204" pitchFamily="34" charset="0"/>
+              <a:buChar char="•"/>
+            </a:pPr>
+            <a:r>
+              <a:rPr lang="en-US" sz="2000" dirty="0"/>
+              <a:t>we also discussed that Anonymous Functions are related to delegate and they are created by using the delegate keyword</a:t>
+            </a:r>
+            <a:endParaRPr lang="en-US" sz="1600" dirty="0"/>
+          </a:p>
+        </p:txBody>
+      </p:sp>
+    </p:spTree>
+    <p:extLst>
+      <p:ext uri="{BB962C8B-B14F-4D97-AF65-F5344CB8AC3E}">
+        <p14:creationId xmlns:p14="http://schemas.microsoft.com/office/powerpoint/2010/main" val="2971057592"/>
+      </p:ext>
+    </p:extLst>
+  </p:cSld>
+  <p:clrMapOvr>
+    <a:masterClrMapping/>
+  </p:clrMapOvr>
+</p:sld>
+</file>
+
 <file path=ppt/slides/slide3.xml><?xml version="1.0" encoding="utf-8"?>
 <p:sld xmlns:a="http://schemas.openxmlformats.org/drawingml/2006/main" xmlns:r="http://schemas.openxmlformats.org/officeDocument/2006/relationships" xmlns:p="http://schemas.openxmlformats.org/presentationml/2006/main">
   <p:cSld>
@@ -7432,20 +7805,20 @@
 </file>
 
 <file path=customXml/item1.xml><?xml version="1.0" encoding="utf-8"?>
+<p:properties xmlns:p="http://schemas.microsoft.com/office/2006/metadata/properties" xmlns:xsi="http://www.w3.org/2001/XMLSchema-instance" xmlns:pc="http://schemas.microsoft.com/office/infopath/2007/PartnerControls">
+  <documentManagement>
+    <_activity xmlns="566b2847-4b6b-412c-8fbd-07bb6b8172bd" xsi:nil="true"/>
+  </documentManagement>
+</p:properties>
+</file>
+
+<file path=customXml/item2.xml><?xml version="1.0" encoding="utf-8"?>
 <?mso-contentType ?>
 <FormTemplates xmlns="http://schemas.microsoft.com/sharepoint/v3/contenttype/forms">
   <Display>DocumentLibraryForm</Display>
   <Edit>DocumentLibraryForm</Edit>
   <New>DocumentLibraryForm</New>
 </FormTemplates>
-</file>
-
-<file path=customXml/item2.xml><?xml version="1.0" encoding="utf-8"?>
-<p:properties xmlns:p="http://schemas.microsoft.com/office/2006/metadata/properties" xmlns:xsi="http://www.w3.org/2001/XMLSchema-instance" xmlns:pc="http://schemas.microsoft.com/office/infopath/2007/PartnerControls">
-  <documentManagement>
-    <_activity xmlns="566b2847-4b6b-412c-8fbd-07bb6b8172bd" xsi:nil="true"/>
-  </documentManagement>
-</p:properties>
 </file>
 
 <file path=customXml/item3.xml><?xml version="1.0" encoding="utf-8"?>
@@ -7702,14 +8075,6 @@
 </file>
 
 <file path=customXml/itemProps1.xml><?xml version="1.0" encoding="utf-8"?>
-<ds:datastoreItem xmlns:ds="http://schemas.openxmlformats.org/officeDocument/2006/customXml" ds:itemID="{69A0BA6B-9DB3-4B70-9A26-0692F72ACC52}">
-  <ds:schemaRefs>
-    <ds:schemaRef ds:uri="http://schemas.microsoft.com/sharepoint/v3/contenttype/forms"/>
-  </ds:schemaRefs>
-</ds:datastoreItem>
-</file>
-
-<file path=customXml/itemProps2.xml><?xml version="1.0" encoding="utf-8"?>
 <ds:datastoreItem xmlns:ds="http://schemas.openxmlformats.org/officeDocument/2006/customXml" ds:itemID="{8C7DF143-C06A-47E7-95B7-EA38AAD4A15F}">
   <ds:schemaRefs>
     <ds:schemaRef ds:uri="99f9aa81-7c22-4edc-9746-523722551add"/>
@@ -7722,6 +8087,14 @@
     <ds:schemaRef ds:uri="http://schemas.microsoft.com/office/2006/metadata/properties"/>
     <ds:schemaRef ds:uri="http://purl.org/dc/dcmitype/"/>
     <ds:schemaRef ds:uri="566b2847-4b6b-412c-8fbd-07bb6b8172bd"/>
+  </ds:schemaRefs>
+</ds:datastoreItem>
+</file>
+
+<file path=customXml/itemProps2.xml><?xml version="1.0" encoding="utf-8"?>
+<ds:datastoreItem xmlns:ds="http://schemas.openxmlformats.org/officeDocument/2006/customXml" ds:itemID="{69A0BA6B-9DB3-4B70-9A26-0692F72ACC52}">
+  <ds:schemaRefs>
+    <ds:schemaRef ds:uri="http://schemas.microsoft.com/sharepoint/v3/contenttype/forms"/>
   </ds:schemaRefs>
 </ds:datastoreItem>
 </file>

--- a/ToDo.Console/Lectures/Collections.pptx
+++ b/ToDo.Console/Lectures/Collections.pptx
@@ -30,6 +30,7 @@
     <p:sldId id="282" r:id="rId27"/>
     <p:sldId id="284" r:id="rId28"/>
     <p:sldId id="285" r:id="rId29"/>
+    <p:sldId id="286" r:id="rId30"/>
   </p:sldIdLst>
   <p:sldSz cx="12192000" cy="6858000"/>
   <p:notesSz cx="6858000" cy="9144000"/>
@@ -362,7 +363,7 @@
           <a:p>
             <a:fld id="{A35E2E98-A03A-4DC7-9B11-0B5AC1B3BAD8}" type="datetimeFigureOut">
               <a:rPr lang="en-US" smtClean="0"/>
-              <a:t>07-Mar-24</a:t>
+              <a:t>08-Mar-24</a:t>
             </a:fld>
             <a:endParaRPr lang="en-US"/>
           </a:p>
@@ -570,7 +571,7 @@
           <a:p>
             <a:fld id="{A35E2E98-A03A-4DC7-9B11-0B5AC1B3BAD8}" type="datetimeFigureOut">
               <a:rPr lang="en-US" smtClean="0"/>
-              <a:t>07-Mar-24</a:t>
+              <a:t>08-Mar-24</a:t>
             </a:fld>
             <a:endParaRPr lang="en-US"/>
           </a:p>
@@ -826,7 +827,7 @@
           <a:p>
             <a:fld id="{A35E2E98-A03A-4DC7-9B11-0B5AC1B3BAD8}" type="datetimeFigureOut">
               <a:rPr lang="en-US" smtClean="0"/>
-              <a:t>07-Mar-24</a:t>
+              <a:t>08-Mar-24</a:t>
             </a:fld>
             <a:endParaRPr lang="en-US"/>
           </a:p>
@@ -1000,7 +1001,7 @@
           <a:p>
             <a:fld id="{A35E2E98-A03A-4DC7-9B11-0B5AC1B3BAD8}" type="datetimeFigureOut">
               <a:rPr lang="en-US" smtClean="0"/>
-              <a:t>07-Mar-24</a:t>
+              <a:t>08-Mar-24</a:t>
             </a:fld>
             <a:endParaRPr lang="en-US"/>
           </a:p>
@@ -1343,7 +1344,7 @@
           <a:p>
             <a:fld id="{A35E2E98-A03A-4DC7-9B11-0B5AC1B3BAD8}" type="datetimeFigureOut">
               <a:rPr lang="en-US" smtClean="0"/>
-              <a:t>07-Mar-24</a:t>
+              <a:t>08-Mar-24</a:t>
             </a:fld>
             <a:endParaRPr lang="en-US"/>
           </a:p>
@@ -1618,7 +1619,7 @@
           <a:p>
             <a:fld id="{A35E2E98-A03A-4DC7-9B11-0B5AC1B3BAD8}" type="datetimeFigureOut">
               <a:rPr lang="en-US" smtClean="0"/>
-              <a:t>07-Mar-24</a:t>
+              <a:t>08-Mar-24</a:t>
             </a:fld>
             <a:endParaRPr lang="en-US"/>
           </a:p>
@@ -1997,7 +1998,7 @@
           <a:p>
             <a:fld id="{A35E2E98-A03A-4DC7-9B11-0B5AC1B3BAD8}" type="datetimeFigureOut">
               <a:rPr lang="en-US" smtClean="0"/>
-              <a:t>07-Mar-24</a:t>
+              <a:t>08-Mar-24</a:t>
             </a:fld>
             <a:endParaRPr lang="en-US"/>
           </a:p>
@@ -2115,7 +2116,7 @@
           <a:p>
             <a:fld id="{A35E2E98-A03A-4DC7-9B11-0B5AC1B3BAD8}" type="datetimeFigureOut">
               <a:rPr lang="en-US" smtClean="0"/>
-              <a:t>07-Mar-24</a:t>
+              <a:t>08-Mar-24</a:t>
             </a:fld>
             <a:endParaRPr lang="en-US"/>
           </a:p>
@@ -2286,7 +2287,7 @@
           <a:p>
             <a:fld id="{A35E2E98-A03A-4DC7-9B11-0B5AC1B3BAD8}" type="datetimeFigureOut">
               <a:rPr lang="en-US" smtClean="0"/>
-              <a:t>07-Mar-24</a:t>
+              <a:t>08-Mar-24</a:t>
             </a:fld>
             <a:endParaRPr lang="en-US"/>
           </a:p>
@@ -2640,7 +2641,7 @@
           <a:p>
             <a:fld id="{A35E2E98-A03A-4DC7-9B11-0B5AC1B3BAD8}" type="datetimeFigureOut">
               <a:rPr lang="en-US" smtClean="0"/>
-              <a:t>07-Mar-24</a:t>
+              <a:t>08-Mar-24</a:t>
             </a:fld>
             <a:endParaRPr lang="en-US"/>
           </a:p>
@@ -3022,7 +3023,7 @@
           <a:p>
             <a:fld id="{A35E2E98-A03A-4DC7-9B11-0B5AC1B3BAD8}" type="datetimeFigureOut">
               <a:rPr lang="en-US" smtClean="0"/>
-              <a:t>07-Mar-24</a:t>
+              <a:t>08-Mar-24</a:t>
             </a:fld>
             <a:endParaRPr lang="en-US"/>
           </a:p>
@@ -3309,7 +3310,7 @@
           <a:p>
             <a:fld id="{A35E2E98-A03A-4DC7-9B11-0B5AC1B3BAD8}" type="datetimeFigureOut">
               <a:rPr lang="en-US" smtClean="0"/>
-              <a:t>07-Mar-24</a:t>
+              <a:t>08-Mar-24</a:t>
             </a:fld>
             <a:endParaRPr lang="en-US"/>
           </a:p>
@@ -6443,6 +6444,134 @@
 </p:sld>
 </file>
 
+<file path=ppt/slides/slide26.xml><?xml version="1.0" encoding="utf-8"?>
+<p:sld xmlns:a="http://schemas.openxmlformats.org/drawingml/2006/main" xmlns:r="http://schemas.openxmlformats.org/officeDocument/2006/relationships" xmlns:p="http://schemas.openxmlformats.org/presentationml/2006/main">
+  <p:cSld>
+    <p:spTree>
+      <p:nvGrpSpPr>
+        <p:cNvPr id="1" name=""/>
+        <p:cNvGrpSpPr/>
+        <p:nvPr/>
+      </p:nvGrpSpPr>
+      <p:grpSpPr>
+        <a:xfrm>
+          <a:off x="0" y="0"/>
+          <a:ext cx="0" cy="0"/>
+          <a:chOff x="0" y="0"/>
+          <a:chExt cx="0" cy="0"/>
+        </a:xfrm>
+      </p:grpSpPr>
+      <p:sp>
+        <p:nvSpPr>
+          <p:cNvPr id="2" name="Title 1">
+            <a:extLst>
+              <a:ext uri="{FF2B5EF4-FFF2-40B4-BE49-F238E27FC236}">
+                <a16:creationId xmlns:a16="http://schemas.microsoft.com/office/drawing/2014/main" id="{E929DBD5-3237-28BD-C3BD-1CC28FF16EBC}"/>
+              </a:ext>
+            </a:extLst>
+          </p:cNvPr>
+          <p:cNvSpPr>
+            <a:spLocks noGrp="1"/>
+          </p:cNvSpPr>
+          <p:nvPr>
+            <p:ph type="title"/>
+          </p:nvPr>
+        </p:nvSpPr>
+        <p:spPr/>
+        <p:txBody>
+          <a:bodyPr/>
+          <a:lstStyle/>
+          <a:p>
+            <a:r>
+              <a:rPr lang="en-US" b="1" dirty="0">
+                <a:solidFill>
+                  <a:srgbClr val="FF0000"/>
+                </a:solidFill>
+                <a:ea typeface="Cambria" panose="02040503050406030204" pitchFamily="18" charset="0"/>
+              </a:rPr>
+              <a:t>Delegates</a:t>
+            </a:r>
+          </a:p>
+        </p:txBody>
+      </p:sp>
+      <p:sp>
+        <p:nvSpPr>
+          <p:cNvPr id="3" name="Content Placeholder 2">
+            <a:extLst>
+              <a:ext uri="{FF2B5EF4-FFF2-40B4-BE49-F238E27FC236}">
+                <a16:creationId xmlns:a16="http://schemas.microsoft.com/office/drawing/2014/main" id="{4E5DF1B6-2300-1E04-4C3B-79087D7D0045}"/>
+              </a:ext>
+            </a:extLst>
+          </p:cNvPr>
+          <p:cNvSpPr>
+            <a:spLocks noGrp="1"/>
+          </p:cNvSpPr>
+          <p:nvPr>
+            <p:ph idx="1"/>
+          </p:nvPr>
+        </p:nvSpPr>
+        <p:spPr/>
+        <p:txBody>
+          <a:bodyPr>
+            <a:normAutofit/>
+          </a:bodyPr>
+          <a:lstStyle/>
+          <a:p>
+            <a:pPr lvl="1">
+              <a:buFont typeface="Arial" panose="020B0604020202020204" pitchFamily="34" charset="0"/>
+              <a:buChar char="•"/>
+            </a:pPr>
+            <a:r>
+              <a:rPr lang="en-US" sz="2000" dirty="0"/>
+              <a:t>Generic Delegates</a:t>
+            </a:r>
+          </a:p>
+          <a:p>
+            <a:pPr lvl="2">
+              <a:buFont typeface="Arial" panose="020B0604020202020204" pitchFamily="34" charset="0"/>
+              <a:buChar char="•"/>
+            </a:pPr>
+            <a:r>
+              <a:rPr lang="en-US" sz="1800" dirty="0" err="1"/>
+              <a:t>Func</a:t>
+            </a:r>
+            <a:endParaRPr lang="en-US" sz="1800" dirty="0"/>
+          </a:p>
+          <a:p>
+            <a:pPr lvl="2">
+              <a:buFont typeface="Arial" panose="020B0604020202020204" pitchFamily="34" charset="0"/>
+              <a:buChar char="•"/>
+            </a:pPr>
+            <a:r>
+              <a:rPr lang="en-US" sz="1800" dirty="0"/>
+              <a:t>Action</a:t>
+            </a:r>
+          </a:p>
+          <a:p>
+            <a:pPr lvl="2">
+              <a:buFont typeface="Arial" panose="020B0604020202020204" pitchFamily="34" charset="0"/>
+              <a:buChar char="•"/>
+            </a:pPr>
+            <a:r>
+              <a:rPr lang="en-US" sz="1800" dirty="0"/>
+              <a:t>Predicate</a:t>
+            </a:r>
+          </a:p>
+        </p:txBody>
+      </p:sp>
+    </p:spTree>
+    <p:extLst>
+      <p:ext uri="{BB962C8B-B14F-4D97-AF65-F5344CB8AC3E}">
+        <p14:creationId xmlns:p14="http://schemas.microsoft.com/office/powerpoint/2010/main" val="985629933"/>
+      </p:ext>
+    </p:extLst>
+  </p:cSld>
+  <p:clrMapOvr>
+    <a:masterClrMapping/>
+  </p:clrMapOvr>
+</p:sld>
+</file>
+
 <file path=ppt/slides/slide3.xml><?xml version="1.0" encoding="utf-8"?>
 <p:sld xmlns:a="http://schemas.openxmlformats.org/drawingml/2006/main" xmlns:r="http://schemas.openxmlformats.org/officeDocument/2006/relationships" xmlns:p="http://schemas.openxmlformats.org/presentationml/2006/main">
   <p:cSld>
@@ -7805,20 +7934,20 @@
 </file>
 
 <file path=customXml/item1.xml><?xml version="1.0" encoding="utf-8"?>
-<p:properties xmlns:p="http://schemas.microsoft.com/office/2006/metadata/properties" xmlns:xsi="http://www.w3.org/2001/XMLSchema-instance" xmlns:pc="http://schemas.microsoft.com/office/infopath/2007/PartnerControls">
-  <documentManagement>
-    <_activity xmlns="566b2847-4b6b-412c-8fbd-07bb6b8172bd" xsi:nil="true"/>
-  </documentManagement>
-</p:properties>
-</file>
-
-<file path=customXml/item2.xml><?xml version="1.0" encoding="utf-8"?>
 <?mso-contentType ?>
 <FormTemplates xmlns="http://schemas.microsoft.com/sharepoint/v3/contenttype/forms">
   <Display>DocumentLibraryForm</Display>
   <Edit>DocumentLibraryForm</Edit>
   <New>DocumentLibraryForm</New>
 </FormTemplates>
+</file>
+
+<file path=customXml/item2.xml><?xml version="1.0" encoding="utf-8"?>
+<p:properties xmlns:p="http://schemas.microsoft.com/office/2006/metadata/properties" xmlns:xsi="http://www.w3.org/2001/XMLSchema-instance" xmlns:pc="http://schemas.microsoft.com/office/infopath/2007/PartnerControls">
+  <documentManagement>
+    <_activity xmlns="566b2847-4b6b-412c-8fbd-07bb6b8172bd" xsi:nil="true"/>
+  </documentManagement>
+</p:properties>
 </file>
 
 <file path=customXml/item3.xml><?xml version="1.0" encoding="utf-8"?>
@@ -8075,6 +8204,14 @@
 </file>
 
 <file path=customXml/itemProps1.xml><?xml version="1.0" encoding="utf-8"?>
+<ds:datastoreItem xmlns:ds="http://schemas.openxmlformats.org/officeDocument/2006/customXml" ds:itemID="{69A0BA6B-9DB3-4B70-9A26-0692F72ACC52}">
+  <ds:schemaRefs>
+    <ds:schemaRef ds:uri="http://schemas.microsoft.com/sharepoint/v3/contenttype/forms"/>
+  </ds:schemaRefs>
+</ds:datastoreItem>
+</file>
+
+<file path=customXml/itemProps2.xml><?xml version="1.0" encoding="utf-8"?>
 <ds:datastoreItem xmlns:ds="http://schemas.openxmlformats.org/officeDocument/2006/customXml" ds:itemID="{8C7DF143-C06A-47E7-95B7-EA38AAD4A15F}">
   <ds:schemaRefs>
     <ds:schemaRef ds:uri="99f9aa81-7c22-4edc-9746-523722551add"/>
@@ -8087,14 +8224,6 @@
     <ds:schemaRef ds:uri="http://schemas.microsoft.com/office/2006/metadata/properties"/>
     <ds:schemaRef ds:uri="http://purl.org/dc/dcmitype/"/>
     <ds:schemaRef ds:uri="566b2847-4b6b-412c-8fbd-07bb6b8172bd"/>
-  </ds:schemaRefs>
-</ds:datastoreItem>
-</file>
-
-<file path=customXml/itemProps2.xml><?xml version="1.0" encoding="utf-8"?>
-<ds:datastoreItem xmlns:ds="http://schemas.openxmlformats.org/officeDocument/2006/customXml" ds:itemID="{69A0BA6B-9DB3-4B70-9A26-0692F72ACC52}">
-  <ds:schemaRefs>
-    <ds:schemaRef ds:uri="http://schemas.microsoft.com/sharepoint/v3/contenttype/forms"/>
   </ds:schemaRefs>
 </ds:datastoreItem>
 </file>
